--- a/6-images.pptx
+++ b/6-images.pptx
@@ -7,7 +7,8 @@
   <p:sldIdLst>
     <p:sldId id="256" r:id="rId2"/>
     <p:sldId id="257" r:id="rId3"/>
-    <p:sldId id="258" r:id="rId4"/>
+    <p:sldId id="259" r:id="rId4"/>
+    <p:sldId id="258" r:id="rId5"/>
   </p:sldIdLst>
   <p:sldSz cx="12192000" cy="6858000"/>
   <p:notesSz cx="6858000" cy="9144000"/>
@@ -106,6 +107,11 @@
       </a:defRPr>
     </a:lvl9pPr>
   </p:defaultTextStyle>
+  <p:extLst>
+    <p:ext uri="{EFAFB233-063F-42B5-8137-9DF3F51BA10A}">
+      <p15:sldGuideLst xmlns:p15="http://schemas.microsoft.com/office/powerpoint/2012/main"/>
+    </p:ext>
+  </p:extLst>
 </p:presentation>
 </file>
 
@@ -256,7 +262,7 @@
           <a:p>
             <a:fld id="{FCD5DB04-BCC1-46EF-9CEF-CC5C110B4678}" type="datetimeFigureOut">
               <a:rPr lang="en-US" smtClean="0"/>
-              <a:t>7/30/2022</a:t>
+              <a:t>7/31/2022</a:t>
             </a:fld>
             <a:endParaRPr lang="en-US"/>
           </a:p>
@@ -454,7 +460,7 @@
           <a:p>
             <a:fld id="{FCD5DB04-BCC1-46EF-9CEF-CC5C110B4678}" type="datetimeFigureOut">
               <a:rPr lang="en-US" smtClean="0"/>
-              <a:t>7/30/2022</a:t>
+              <a:t>7/31/2022</a:t>
             </a:fld>
             <a:endParaRPr lang="en-US"/>
           </a:p>
@@ -662,7 +668,7 @@
           <a:p>
             <a:fld id="{FCD5DB04-BCC1-46EF-9CEF-CC5C110B4678}" type="datetimeFigureOut">
               <a:rPr lang="en-US" smtClean="0"/>
-              <a:t>7/30/2022</a:t>
+              <a:t>7/31/2022</a:t>
             </a:fld>
             <a:endParaRPr lang="en-US"/>
           </a:p>
@@ -860,7 +866,7 @@
           <a:p>
             <a:fld id="{FCD5DB04-BCC1-46EF-9CEF-CC5C110B4678}" type="datetimeFigureOut">
               <a:rPr lang="en-US" smtClean="0"/>
-              <a:t>7/30/2022</a:t>
+              <a:t>7/31/2022</a:t>
             </a:fld>
             <a:endParaRPr lang="en-US"/>
           </a:p>
@@ -1135,7 +1141,7 @@
           <a:p>
             <a:fld id="{FCD5DB04-BCC1-46EF-9CEF-CC5C110B4678}" type="datetimeFigureOut">
               <a:rPr lang="en-US" smtClean="0"/>
-              <a:t>7/30/2022</a:t>
+              <a:t>7/31/2022</a:t>
             </a:fld>
             <a:endParaRPr lang="en-US"/>
           </a:p>
@@ -1400,7 +1406,7 @@
           <a:p>
             <a:fld id="{FCD5DB04-BCC1-46EF-9CEF-CC5C110B4678}" type="datetimeFigureOut">
               <a:rPr lang="en-US" smtClean="0"/>
-              <a:t>7/30/2022</a:t>
+              <a:t>7/31/2022</a:t>
             </a:fld>
             <a:endParaRPr lang="en-US"/>
           </a:p>
@@ -1812,7 +1818,7 @@
           <a:p>
             <a:fld id="{FCD5DB04-BCC1-46EF-9CEF-CC5C110B4678}" type="datetimeFigureOut">
               <a:rPr lang="en-US" smtClean="0"/>
-              <a:t>7/30/2022</a:t>
+              <a:t>7/31/2022</a:t>
             </a:fld>
             <a:endParaRPr lang="en-US"/>
           </a:p>
@@ -1953,7 +1959,7 @@
           <a:p>
             <a:fld id="{FCD5DB04-BCC1-46EF-9CEF-CC5C110B4678}" type="datetimeFigureOut">
               <a:rPr lang="en-US" smtClean="0"/>
-              <a:t>7/30/2022</a:t>
+              <a:t>7/31/2022</a:t>
             </a:fld>
             <a:endParaRPr lang="en-US"/>
           </a:p>
@@ -2066,7 +2072,7 @@
           <a:p>
             <a:fld id="{FCD5DB04-BCC1-46EF-9CEF-CC5C110B4678}" type="datetimeFigureOut">
               <a:rPr lang="en-US" smtClean="0"/>
-              <a:t>7/30/2022</a:t>
+              <a:t>7/31/2022</a:t>
             </a:fld>
             <a:endParaRPr lang="en-US"/>
           </a:p>
@@ -2377,7 +2383,7 @@
           <a:p>
             <a:fld id="{FCD5DB04-BCC1-46EF-9CEF-CC5C110B4678}" type="datetimeFigureOut">
               <a:rPr lang="en-US" smtClean="0"/>
-              <a:t>7/30/2022</a:t>
+              <a:t>7/31/2022</a:t>
             </a:fld>
             <a:endParaRPr lang="en-US"/>
           </a:p>
@@ -2665,7 +2671,7 @@
           <a:p>
             <a:fld id="{FCD5DB04-BCC1-46EF-9CEF-CC5C110B4678}" type="datetimeFigureOut">
               <a:rPr lang="en-US" smtClean="0"/>
-              <a:t>7/30/2022</a:t>
+              <a:t>7/31/2022</a:t>
             </a:fld>
             <a:endParaRPr lang="en-US"/>
           </a:p>
@@ -2906,7 +2912,7 @@
           <a:p>
             <a:fld id="{FCD5DB04-BCC1-46EF-9CEF-CC5C110B4678}" type="datetimeFigureOut">
               <a:rPr lang="en-US" smtClean="0"/>
-              <a:t>7/30/2022</a:t>
+              <a:t>7/31/2022</a:t>
             </a:fld>
             <a:endParaRPr lang="en-US"/>
           </a:p>
@@ -3689,10 +3695,10 @@
         </p:nvGrpSpPr>
         <p:grpSpPr>
           <a:xfrm>
-            <a:off x="3511847" y="1764793"/>
-            <a:ext cx="5267495" cy="2767801"/>
-            <a:chOff x="3511847" y="1764793"/>
-            <a:chExt cx="5267495" cy="2767801"/>
+            <a:off x="3975486" y="1975568"/>
+            <a:ext cx="4803856" cy="2557026"/>
+            <a:chOff x="3975486" y="1975568"/>
+            <a:chExt cx="4803856" cy="2557026"/>
           </a:xfrm>
         </p:grpSpPr>
         <p:pic>
@@ -3806,8 +3812,8 @@
             </a:stretch>
           </p:blipFill>
           <p:spPr>
-            <a:xfrm>
-              <a:off x="3511847" y="1764793"/>
+            <a:xfrm rot="20182447">
+              <a:off x="3975486" y="1975568"/>
               <a:ext cx="2521905" cy="636191"/>
             </a:xfrm>
             <a:prstGeom prst="rect">
@@ -4019,6 +4025,350 @@
           <a:chExt cx="0" cy="0"/>
         </a:xfrm>
       </p:grpSpPr>
+      <p:grpSp>
+        <p:nvGrpSpPr>
+          <p:cNvPr id="21" name="Group 20">
+            <a:extLst>
+              <a:ext uri="{FF2B5EF4-FFF2-40B4-BE49-F238E27FC236}">
+                <a16:creationId xmlns:a16="http://schemas.microsoft.com/office/drawing/2014/main" id="{CB8427E2-F3A3-59E5-83E5-2B149B053356}"/>
+              </a:ext>
+            </a:extLst>
+          </p:cNvPr>
+          <p:cNvGrpSpPr/>
+          <p:nvPr/>
+        </p:nvGrpSpPr>
+        <p:grpSpPr>
+          <a:xfrm>
+            <a:off x="3923973" y="1919973"/>
+            <a:ext cx="5099547" cy="2765003"/>
+            <a:chOff x="3988367" y="1919973"/>
+            <a:chExt cx="5099547" cy="2765003"/>
+          </a:xfrm>
+        </p:grpSpPr>
+        <p:pic>
+          <p:nvPicPr>
+            <p:cNvPr id="5" name="Picture 4" descr="\documentclass{article}&#10;\usepackage{amsmath}&#10;\usepackage{xcolor}&#10;\pagestyle{empty}&#10;\begin{document}&#10;\color{white}&#10;&#10;$\theta$&#10;&#10;\end{document}&#10;" title="IguanaTex Bitmap Display">
+              <a:extLst>
+                <a:ext uri="{FF2B5EF4-FFF2-40B4-BE49-F238E27FC236}">
+                  <a16:creationId xmlns:a16="http://schemas.microsoft.com/office/drawing/2014/main" id="{DF68EC27-0BBB-6C20-516C-D6143D774AC5}"/>
+                </a:ext>
+              </a:extLst>
+            </p:cNvPr>
+            <p:cNvPicPr>
+              <a:picLocks noChangeAspect="1"/>
+            </p:cNvPicPr>
+            <p:nvPr>
+              <p:custDataLst>
+                <p:tags r:id="rId1"/>
+              </p:custDataLst>
+            </p:nvPr>
+          </p:nvPicPr>
+          <p:blipFill>
+            <a:blip r:embed="rId6">
+              <a:extLst>
+                <a:ext uri="{28A0092B-C50C-407E-A947-70E740481C1C}">
+                  <a14:useLocalDpi xmlns:a14="http://schemas.microsoft.com/office/drawing/2010/main" val="0"/>
+                </a:ext>
+              </a:extLst>
+            </a:blip>
+            <a:stretch>
+              <a:fillRect/>
+            </a:stretch>
+          </p:blipFill>
+          <p:spPr>
+            <a:xfrm>
+              <a:off x="4363680" y="3437151"/>
+              <a:ext cx="243827" cy="414505"/>
+            </a:xfrm>
+            <a:prstGeom prst="rect">
+              <a:avLst/>
+            </a:prstGeom>
+          </p:spPr>
+        </p:pic>
+        <p:pic>
+          <p:nvPicPr>
+            <p:cNvPr id="4" name="Picture 3" descr="\documentclass{article}&#10;\usepackage{amsmath}&#10;\usepackage{xcolor}&#10;\pagestyle{empty}&#10;\begin{document}&#10;\color{white}&#10;&#10;$3x$&#10;&#10;\end{document}&#10;" title="IguanaTex Bitmap Display">
+              <a:extLst>
+                <a:ext uri="{FF2B5EF4-FFF2-40B4-BE49-F238E27FC236}">
+                  <a16:creationId xmlns:a16="http://schemas.microsoft.com/office/drawing/2014/main" id="{10B5A8F6-2998-8B6A-8A40-7566E46939FB}"/>
+                </a:ext>
+              </a:extLst>
+            </p:cNvPr>
+            <p:cNvPicPr>
+              <a:picLocks noChangeAspect="1"/>
+            </p:cNvPicPr>
+            <p:nvPr>
+              <p:custDataLst>
+                <p:tags r:id="rId2"/>
+              </p:custDataLst>
+            </p:nvPr>
+          </p:nvPicPr>
+          <p:blipFill>
+            <a:blip r:embed="rId7">
+              <a:extLst>
+                <a:ext uri="{28A0092B-C50C-407E-A947-70E740481C1C}">
+                  <a14:useLocalDpi xmlns:a14="http://schemas.microsoft.com/office/drawing/2010/main" val="0"/>
+                </a:ext>
+              </a:extLst>
+            </a:blip>
+            <a:stretch>
+              <a:fillRect/>
+            </a:stretch>
+          </p:blipFill>
+          <p:spPr>
+            <a:xfrm>
+              <a:off x="8459342" y="2607057"/>
+              <a:ext cx="628572" cy="434285"/>
+            </a:xfrm>
+            <a:prstGeom prst="rect">
+              <a:avLst/>
+            </a:prstGeom>
+          </p:spPr>
+        </p:pic>
+        <p:pic>
+          <p:nvPicPr>
+            <p:cNvPr id="20" name="Picture 19" descr="\documentclass{article}&#10;\usepackage{amsmath}&#10;\usepackage{xcolor}&#10;\pagestyle{empty}&#10;\begin{document}&#10;\color{white}&#10;&#10;$\sqrt{9x^2 + 25}$&#10;&#10;\end{document}&#10;" title="IguanaTex Bitmap Display">
+              <a:extLst>
+                <a:ext uri="{FF2B5EF4-FFF2-40B4-BE49-F238E27FC236}">
+                  <a16:creationId xmlns:a16="http://schemas.microsoft.com/office/drawing/2014/main" id="{500F3789-FA3E-AC44-EE89-CCE972B671F1}"/>
+                </a:ext>
+              </a:extLst>
+            </p:cNvPr>
+            <p:cNvPicPr>
+              <a:picLocks noChangeAspect="1"/>
+            </p:cNvPicPr>
+            <p:nvPr>
+              <p:custDataLst>
+                <p:tags r:id="rId3"/>
+              </p:custDataLst>
+            </p:nvPr>
+          </p:nvPicPr>
+          <p:blipFill>
+            <a:blip r:embed="rId8">
+              <a:extLst>
+                <a:ext uri="{28A0092B-C50C-407E-A947-70E740481C1C}">
+                  <a14:useLocalDpi xmlns:a14="http://schemas.microsoft.com/office/drawing/2010/main" val="0"/>
+                </a:ext>
+              </a:extLst>
+            </a:blip>
+            <a:stretch>
+              <a:fillRect/>
+            </a:stretch>
+          </p:blipFill>
+          <p:spPr>
+            <a:xfrm rot="20002808">
+              <a:off x="3988367" y="1919973"/>
+              <a:ext cx="2853333" cy="636191"/>
+            </a:xfrm>
+            <a:prstGeom prst="rect">
+              <a:avLst/>
+            </a:prstGeom>
+          </p:spPr>
+        </p:pic>
+        <p:pic>
+          <p:nvPicPr>
+            <p:cNvPr id="13" name="Picture 12" descr="\documentclass{article}&#10;\usepackage{amsmath}&#10;\usepackage{xcolor}&#10;\pagestyle{empty}&#10;\begin{document}&#10;\color{white}&#10;&#10;$5$&#10;&#10;\end{document}&#10;" title="IguanaTex Bitmap Display">
+              <a:extLst>
+                <a:ext uri="{FF2B5EF4-FFF2-40B4-BE49-F238E27FC236}">
+                  <a16:creationId xmlns:a16="http://schemas.microsoft.com/office/drawing/2014/main" id="{B2324B61-D1FF-EB39-DB58-7F985F9B0B56}"/>
+                </a:ext>
+              </a:extLst>
+            </p:cNvPr>
+            <p:cNvPicPr>
+              <a:picLocks noChangeAspect="1"/>
+            </p:cNvPicPr>
+            <p:nvPr>
+              <p:custDataLst>
+                <p:tags r:id="rId4"/>
+              </p:custDataLst>
+            </p:nvPr>
+          </p:nvPicPr>
+          <p:blipFill>
+            <a:blip r:embed="rId9">
+              <a:extLst>
+                <a:ext uri="{28A0092B-C50C-407E-A947-70E740481C1C}">
+                  <a14:useLocalDpi xmlns:a14="http://schemas.microsoft.com/office/drawing/2010/main" val="0"/>
+                </a:ext>
+              </a:extLst>
+            </a:blip>
+            <a:stretch>
+              <a:fillRect/>
+            </a:stretch>
+          </p:blipFill>
+          <p:spPr>
+            <a:xfrm>
+              <a:off x="5740419" y="4246881"/>
+              <a:ext cx="255238" cy="438095"/>
+            </a:xfrm>
+            <a:prstGeom prst="rect">
+              <a:avLst/>
+            </a:prstGeom>
+          </p:spPr>
+        </p:pic>
+      </p:grpSp>
+      <p:grpSp>
+        <p:nvGrpSpPr>
+          <p:cNvPr id="6" name="Group 5">
+            <a:extLst>
+              <a:ext uri="{FF2B5EF4-FFF2-40B4-BE49-F238E27FC236}">
+                <a16:creationId xmlns:a16="http://schemas.microsoft.com/office/drawing/2014/main" id="{AA425E77-5B76-F41B-FBBD-619037F4BF0C}"/>
+              </a:ext>
+            </a:extLst>
+          </p:cNvPr>
+          <p:cNvGrpSpPr/>
+          <p:nvPr/>
+        </p:nvGrpSpPr>
+        <p:grpSpPr>
+          <a:xfrm>
+            <a:off x="3412657" y="1466300"/>
+            <a:ext cx="4655527" cy="2456476"/>
+            <a:chOff x="3111795" y="2069805"/>
+            <a:chExt cx="5699053" cy="2332074"/>
+          </a:xfrm>
+        </p:grpSpPr>
+        <p:sp>
+          <p:nvSpPr>
+            <p:cNvPr id="10" name="Right Triangle 9">
+              <a:extLst>
+                <a:ext uri="{FF2B5EF4-FFF2-40B4-BE49-F238E27FC236}">
+                  <a16:creationId xmlns:a16="http://schemas.microsoft.com/office/drawing/2014/main" id="{5EA1E53F-7F7A-C6B2-346F-EC927CB84384}"/>
+                </a:ext>
+              </a:extLst>
+            </p:cNvPr>
+            <p:cNvSpPr/>
+            <p:nvPr/>
+          </p:nvSpPr>
+          <p:spPr>
+            <a:xfrm flipH="1">
+              <a:off x="3111795" y="2069805"/>
+              <a:ext cx="5699051" cy="2332074"/>
+            </a:xfrm>
+            <a:prstGeom prst="rtTriangle">
+              <a:avLst/>
+            </a:prstGeom>
+            <a:noFill/>
+            <a:ln w="38100">
+              <a:solidFill>
+                <a:schemeClr val="bg1"/>
+              </a:solidFill>
+            </a:ln>
+          </p:spPr>
+          <p:style>
+            <a:lnRef idx="2">
+              <a:schemeClr val="accent1">
+                <a:shade val="50000"/>
+              </a:schemeClr>
+            </a:lnRef>
+            <a:fillRef idx="1">
+              <a:schemeClr val="accent1"/>
+            </a:fillRef>
+            <a:effectRef idx="0">
+              <a:schemeClr val="accent1"/>
+            </a:effectRef>
+            <a:fontRef idx="minor">
+              <a:schemeClr val="lt1"/>
+            </a:fontRef>
+          </p:style>
+          <p:txBody>
+            <a:bodyPr rtlCol="0" anchor="ctr"/>
+            <a:lstStyle/>
+            <a:p>
+              <a:pPr algn="ctr"/>
+              <a:endParaRPr lang="en-US"/>
+            </a:p>
+          </p:txBody>
+        </p:sp>
+        <p:sp>
+          <p:nvSpPr>
+            <p:cNvPr id="11" name="Rectangle 10">
+              <a:extLst>
+                <a:ext uri="{FF2B5EF4-FFF2-40B4-BE49-F238E27FC236}">
+                  <a16:creationId xmlns:a16="http://schemas.microsoft.com/office/drawing/2014/main" id="{B79FD751-E671-F341-D78F-3409CEB745C8}"/>
+                </a:ext>
+              </a:extLst>
+            </p:cNvPr>
+            <p:cNvSpPr/>
+            <p:nvPr/>
+          </p:nvSpPr>
+          <p:spPr>
+            <a:xfrm>
+              <a:off x="8387978" y="4078756"/>
+              <a:ext cx="422870" cy="323123"/>
+            </a:xfrm>
+            <a:prstGeom prst="rect">
+              <a:avLst/>
+            </a:prstGeom>
+            <a:noFill/>
+            <a:ln w="28575">
+              <a:solidFill>
+                <a:schemeClr val="bg1"/>
+              </a:solidFill>
+            </a:ln>
+          </p:spPr>
+          <p:style>
+            <a:lnRef idx="2">
+              <a:schemeClr val="accent1">
+                <a:shade val="50000"/>
+              </a:schemeClr>
+            </a:lnRef>
+            <a:fillRef idx="1">
+              <a:schemeClr val="accent1"/>
+            </a:fillRef>
+            <a:effectRef idx="0">
+              <a:schemeClr val="accent1"/>
+            </a:effectRef>
+            <a:fontRef idx="minor">
+              <a:schemeClr val="lt1"/>
+            </a:fontRef>
+          </p:style>
+          <p:txBody>
+            <a:bodyPr rtlCol="0" anchor="ctr"/>
+            <a:lstStyle/>
+            <a:p>
+              <a:pPr algn="ctr"/>
+              <a:endParaRPr lang="en-US"/>
+            </a:p>
+          </p:txBody>
+        </p:sp>
+      </p:grpSp>
+    </p:spTree>
+    <p:extLst>
+      <p:ext uri="{BB962C8B-B14F-4D97-AF65-F5344CB8AC3E}">
+        <p14:creationId xmlns:p14="http://schemas.microsoft.com/office/powerpoint/2010/main" val="596783760"/>
+      </p:ext>
+    </p:extLst>
+  </p:cSld>
+  <p:clrMapOvr>
+    <a:masterClrMapping/>
+  </p:clrMapOvr>
+</p:sld>
+</file>
+
+<file path=ppt/slides/slide4.xml><?xml version="1.0" encoding="utf-8"?>
+<p:sld xmlns:a="http://schemas.openxmlformats.org/drawingml/2006/main" xmlns:r="http://schemas.openxmlformats.org/officeDocument/2006/relationships" xmlns:p="http://schemas.openxmlformats.org/presentationml/2006/main">
+  <p:cSld>
+    <p:bg>
+      <p:bgPr>
+        <a:solidFill>
+          <a:schemeClr val="tx1"/>
+        </a:solidFill>
+        <a:effectLst/>
+      </p:bgPr>
+    </p:bg>
+    <p:spTree>
+      <p:nvGrpSpPr>
+        <p:cNvPr id="1" name=""/>
+        <p:cNvGrpSpPr/>
+        <p:nvPr/>
+      </p:nvGrpSpPr>
+      <p:grpSpPr>
+        <a:xfrm>
+          <a:off x="0" y="0"/>
+          <a:ext cx="0" cy="0"/>
+          <a:chOff x="0" y="0"/>
+          <a:chExt cx="0" cy="0"/>
+        </a:xfrm>
+      </p:grpSpPr>
       <p:pic>
         <p:nvPicPr>
           <p:cNvPr id="5" name="Picture 4" descr="\documentclass{article}&#10;\usepackage{amsmath}&#10;\usepackage{xcolor}&#10;\pagestyle{empty}&#10;\begin{document}&#10;\color{white}&#10;&#10;$\theta$&#10;&#10;\end{document}&#10;" title="IguanaTex Bitmap Display">
@@ -4338,6 +4688,78 @@
 <file path=ppt/tags/tag10.xml><?xml version="1.0" encoding="utf-8"?>
 <p:tagLst xmlns:a="http://schemas.openxmlformats.org/drawingml/2006/main" xmlns:r="http://schemas.openxmlformats.org/officeDocument/2006/relationships" xmlns:p="http://schemas.openxmlformats.org/presentationml/2006/main">
   <p:tag name="OUTPUTDPI" val="1200"/>
+  <p:tag name="ORIGINALHEIGHT" val="85.48929"/>
+  <p:tag name="ORIGINALWIDTH" val="123.7346"/>
+  <p:tag name="LATEXADDIN" val="\documentclass{article}&#10;\usepackage{amsmath}&#10;\usepackage{xcolor}&#10;\pagestyle{empty}&#10;\begin{document}&#10;\color{white}&#10;&#10;$3x$&#10;&#10;\end{document}&#10;"/>
+  <p:tag name="IGUANATEXSIZE" val="50"/>
+  <p:tag name="IGUANATEXCURSOR" val="117"/>
+  <p:tag name="TRANSPARENCY" val="True"/>
+  <p:tag name="LATEXENGINEID" val="0"/>
+  <p:tag name="TEMPFOLDER" val="C:\Users\extre\Documents\pptxTemp\"/>
+  <p:tag name="LATEXFORMHEIGHT" val="312"/>
+  <p:tag name="LATEXFORMWIDTH" val="384"/>
+  <p:tag name="LATEXFORMWRAP" val="True"/>
+  <p:tag name="BITMAPVECTOR" val="0"/>
+</p:tagLst>
+</file>
+
+<file path=ppt/tags/tag11.xml><?xml version="1.0" encoding="utf-8"?>
+<p:tagLst xmlns:a="http://schemas.openxmlformats.org/drawingml/2006/main" xmlns:r="http://schemas.openxmlformats.org/officeDocument/2006/relationships" xmlns:p="http://schemas.openxmlformats.org/presentationml/2006/main">
+  <p:tag name="OUTPUTDPI" val="1200"/>
+  <p:tag name="ORIGINALHEIGHT" val="125.2343"/>
+  <p:tag name="ORIGINALWIDTH" val="561.6797"/>
+  <p:tag name="LATEXADDIN" val="\documentclass{article}&#10;\usepackage{amsmath}&#10;\usepackage{xcolor}&#10;\pagestyle{empty}&#10;\begin{document}&#10;\color{white}&#10;&#10;$\sqrt{9x^2 + 25}$&#10;&#10;\end{document}&#10;"/>
+  <p:tag name="IGUANATEXSIZE" val="50"/>
+  <p:tag name="IGUANATEXCURSOR" val="131"/>
+  <p:tag name="TRANSPARENCY" val="True"/>
+  <p:tag name="LATEXENGINEID" val="0"/>
+  <p:tag name="TEMPFOLDER" val="C:\Users\extre\Documents\pptxTemp\"/>
+  <p:tag name="LATEXFORMHEIGHT" val="312"/>
+  <p:tag name="LATEXFORMWIDTH" val="384"/>
+  <p:tag name="LATEXFORMWRAP" val="True"/>
+  <p:tag name="BITMAPVECTOR" val="0"/>
+</p:tagLst>
+</file>
+
+<file path=ppt/tags/tag12.xml><?xml version="1.0" encoding="utf-8"?>
+<p:tagLst xmlns:a="http://schemas.openxmlformats.org/drawingml/2006/main" xmlns:r="http://schemas.openxmlformats.org/officeDocument/2006/relationships" xmlns:p="http://schemas.openxmlformats.org/presentationml/2006/main">
+  <p:tag name="OUTPUTDPI" val="1200"/>
+  <p:tag name="ORIGINALHEIGHT" val="86.23921"/>
+  <p:tag name="ORIGINALWIDTH" val="50.2437"/>
+  <p:tag name="LATEXADDIN" val="\documentclass{article}&#10;\usepackage{amsmath}&#10;\usepackage{xcolor}&#10;\pagestyle{empty}&#10;\begin{document}&#10;\color{white}&#10;&#10;$5$&#10;&#10;\end{document}&#10;"/>
+  <p:tag name="IGUANATEXSIZE" val="50"/>
+  <p:tag name="IGUANATEXCURSOR" val="117"/>
+  <p:tag name="TRANSPARENCY" val="True"/>
+  <p:tag name="LATEXENGINEID" val="0"/>
+  <p:tag name="TEMPFOLDER" val="C:\Users\extre\Documents\pptxTemp\"/>
+  <p:tag name="LATEXFORMHEIGHT" val="312"/>
+  <p:tag name="LATEXFORMWIDTH" val="384"/>
+  <p:tag name="LATEXFORMWRAP" val="True"/>
+  <p:tag name="BITMAPVECTOR" val="0"/>
+</p:tagLst>
+</file>
+
+<file path=ppt/tags/tag13.xml><?xml version="1.0" encoding="utf-8"?>
+<p:tagLst xmlns:a="http://schemas.openxmlformats.org/drawingml/2006/main" xmlns:r="http://schemas.openxmlformats.org/officeDocument/2006/relationships" xmlns:p="http://schemas.openxmlformats.org/presentationml/2006/main">
+  <p:tag name="OUTPUTDPI" val="1200"/>
+  <p:tag name="ORIGINALHEIGHT" val="89.23882"/>
+  <p:tag name="ORIGINALWIDTH" val="52.49347"/>
+  <p:tag name="LATEXADDIN" val="\documentclass{article}&#10;\usepackage{amsmath}&#10;\usepackage{xcolor}&#10;\pagestyle{empty}&#10;\begin{document}&#10;\color{white}&#10;&#10;$\theta$&#10;&#10;\end{document}&#10;"/>
+  <p:tag name="IGUANATEXSIZE" val="30"/>
+  <p:tag name="IGUANATEXCURSOR" val="123"/>
+  <p:tag name="TRANSPARENCY" val="True"/>
+  <p:tag name="LATEXENGINEID" val="0"/>
+  <p:tag name="TEMPFOLDER" val="C:\Users\extre\Documents\pptxTemp\"/>
+  <p:tag name="LATEXFORMHEIGHT" val="312"/>
+  <p:tag name="LATEXFORMWIDTH" val="384"/>
+  <p:tag name="LATEXFORMWRAP" val="True"/>
+  <p:tag name="BITMAPVECTOR" val="0"/>
+</p:tagLst>
+</file>
+
+<file path=ppt/tags/tag14.xml><?xml version="1.0" encoding="utf-8"?>
+<p:tagLst xmlns:a="http://schemas.openxmlformats.org/drawingml/2006/main" xmlns:r="http://schemas.openxmlformats.org/officeDocument/2006/relationships" xmlns:p="http://schemas.openxmlformats.org/presentationml/2006/main">
+  <p:tag name="OUTPUTDPI" val="1200"/>
   <p:tag name="ORIGINALHEIGHT" val="83.98952"/>
   <p:tag name="ORIGINALWIDTH" val="272.9659"/>
   <p:tag name="LATEXADDIN" val="\documentclass{article}&#10;\usepackage{amsmath}&#10;\usepackage{xcolor}&#10;\pagestyle{empty}&#10;\begin{document}&#10;\color{white}&#10;&#10;$x-1$&#10;&#10;\end{document}&#10;"/>
@@ -4353,7 +4775,7 @@
 </p:tagLst>
 </file>
 
-<file path=ppt/tags/tag11.xml><?xml version="1.0" encoding="utf-8"?>
+<file path=ppt/tags/tag15.xml><?xml version="1.0" encoding="utf-8"?>
 <p:tagLst xmlns:a="http://schemas.openxmlformats.org/drawingml/2006/main" xmlns:r="http://schemas.openxmlformats.org/officeDocument/2006/relationships" xmlns:p="http://schemas.openxmlformats.org/presentationml/2006/main">
   <p:tag name="OUTPUTDPI" val="1200"/>
   <p:tag name="ORIGINALHEIGHT" val="149.2313"/>
@@ -4371,7 +4793,7 @@
 </p:tagLst>
 </file>
 
-<file path=ppt/tags/tag12.xml><?xml version="1.0" encoding="utf-8"?>
+<file path=ppt/tags/tag16.xml><?xml version="1.0" encoding="utf-8"?>
 <p:tagLst xmlns:a="http://schemas.openxmlformats.org/drawingml/2006/main" xmlns:r="http://schemas.openxmlformats.org/officeDocument/2006/relationships" xmlns:p="http://schemas.openxmlformats.org/presentationml/2006/main">
   <p:tag name="OUTPUTDPI" val="1200"/>
   <p:tag name="ORIGINALHEIGHT" val="82.48969"/>
